--- a/Project One.pptx
+++ b/Project One.pptx
@@ -1962,6 +1962,11 @@
               </a:ln>
               <a:effectLst/>
             </c:spPr>
+            <c:extLst>
+              <c:ext xmlns:c16="http://schemas.microsoft.com/office/drawing/2014/chart" uri="{C3380CC4-5D6E-409C-BE32-E72D297353CC}">
+                <c16:uniqueId val="{00000001-D276-45E9-8459-B66CCA22A5B1}"/>
+              </c:ext>
+            </c:extLst>
           </c:dPt>
           <c:dPt>
             <c:idx val="1"/>
@@ -1977,6 +1982,11 @@
               </a:ln>
               <a:effectLst/>
             </c:spPr>
+            <c:extLst>
+              <c:ext xmlns:c16="http://schemas.microsoft.com/office/drawing/2014/chart" uri="{C3380CC4-5D6E-409C-BE32-E72D297353CC}">
+                <c16:uniqueId val="{00000003-D276-45E9-8459-B66CCA22A5B1}"/>
+              </c:ext>
+            </c:extLst>
           </c:dPt>
           <c:dPt>
             <c:idx val="2"/>
@@ -1992,6 +2002,11 @@
               </a:ln>
               <a:effectLst/>
             </c:spPr>
+            <c:extLst>
+              <c:ext xmlns:c16="http://schemas.microsoft.com/office/drawing/2014/chart" uri="{C3380CC4-5D6E-409C-BE32-E72D297353CC}">
+                <c16:uniqueId val="{00000005-D276-45E9-8459-B66CCA22A5B1}"/>
+              </c:ext>
+            </c:extLst>
           </c:dPt>
           <c:dPt>
             <c:idx val="3"/>
@@ -2007,6 +2022,11 @@
               </a:ln>
               <a:effectLst/>
             </c:spPr>
+            <c:extLst>
+              <c:ext xmlns:c16="http://schemas.microsoft.com/office/drawing/2014/chart" uri="{C3380CC4-5D6E-409C-BE32-E72D297353CC}">
+                <c16:uniqueId val="{00000007-D276-45E9-8459-B66CCA22A5B1}"/>
+              </c:ext>
+            </c:extLst>
           </c:dPt>
           <c:cat>
             <c:strRef>
@@ -24123,21 +24143,21 @@
 </file>
 
 <file path=customXml/item1.xml><?xml version="1.0" encoding="utf-8"?>
+<?mso-contentType ?>
+<FormTemplates xmlns="http://schemas.microsoft.com/sharepoint/v3/contenttype/forms">
+  <Display>DocumentLibraryForm</Display>
+  <Edit>DocumentLibraryForm</Edit>
+  <New>DocumentLibraryForm</New>
+</FormTemplates>
+</file>
+
+<file path=customXml/item2.xml><?xml version="1.0" encoding="utf-8"?>
 <p:properties xmlns:p="http://schemas.microsoft.com/office/2006/metadata/properties" xmlns:xsi="http://www.w3.org/2001/XMLSchema-instance" xmlns:pc="http://schemas.microsoft.com/office/infopath/2007/PartnerControls">
   <documentManagement>
     <Status xmlns="71af3243-3dd4-4a8d-8c0d-dd76da1f02a5">Not started</Status>
     <MediaServiceKeyPoints xmlns="71af3243-3dd4-4a8d-8c0d-dd76da1f02a5" xsi:nil="true"/>
   </documentManagement>
 </p:properties>
-</file>
-
-<file path=customXml/item2.xml><?xml version="1.0" encoding="utf-8"?>
-<?mso-contentType ?>
-<FormTemplates xmlns="http://schemas.microsoft.com/sharepoint/v3/contenttype/forms">
-  <Display>DocumentLibraryForm</Display>
-  <Edit>DocumentLibraryForm</Edit>
-  <New>DocumentLibraryForm</New>
-</FormTemplates>
 </file>
 
 <file path=customXml/item3.xml><?xml version="1.0" encoding="utf-8"?>
@@ -24362,19 +24382,19 @@
 </file>
 
 <file path=customXml/itemProps1.xml><?xml version="1.0" encoding="utf-8"?>
+<ds:datastoreItem xmlns:ds="http://schemas.openxmlformats.org/officeDocument/2006/customXml" ds:itemID="{1D20B6E4-879E-4E6C-BDE7-261540CD3765}">
+  <ds:schemaRefs>
+    <ds:schemaRef ds:uri="http://schemas.microsoft.com/sharepoint/v3/contenttype/forms"/>
+  </ds:schemaRefs>
+</ds:datastoreItem>
+</file>
+
+<file path=customXml/itemProps2.xml><?xml version="1.0" encoding="utf-8"?>
 <ds:datastoreItem xmlns:ds="http://schemas.openxmlformats.org/officeDocument/2006/customXml" ds:itemID="{09EC1AB0-9704-404D-B6D3-819D938AC55B}">
   <ds:schemaRefs>
     <ds:schemaRef ds:uri="http://schemas.microsoft.com/office/2006/metadata/properties"/>
     <ds:schemaRef ds:uri="http://schemas.microsoft.com/office/infopath/2007/PartnerControls"/>
     <ds:schemaRef ds:uri="71af3243-3dd4-4a8d-8c0d-dd76da1f02a5"/>
-  </ds:schemaRefs>
-</ds:datastoreItem>
-</file>
-
-<file path=customXml/itemProps2.xml><?xml version="1.0" encoding="utf-8"?>
-<ds:datastoreItem xmlns:ds="http://schemas.openxmlformats.org/officeDocument/2006/customXml" ds:itemID="{1D20B6E4-879E-4E6C-BDE7-261540CD3765}">
-  <ds:schemaRefs>
-    <ds:schemaRef ds:uri="http://schemas.microsoft.com/sharepoint/v3/contenttype/forms"/>
   </ds:schemaRefs>
 </ds:datastoreItem>
 </file>

--- a/Project One.pptx
+++ b/Project One.pptx
@@ -24143,21 +24143,21 @@
 </file>
 
 <file path=customXml/item1.xml><?xml version="1.0" encoding="utf-8"?>
+<p:properties xmlns:p="http://schemas.microsoft.com/office/2006/metadata/properties" xmlns:xsi="http://www.w3.org/2001/XMLSchema-instance" xmlns:pc="http://schemas.microsoft.com/office/infopath/2007/PartnerControls">
+  <documentManagement>
+    <Status xmlns="71af3243-3dd4-4a8d-8c0d-dd76da1f02a5">Not started</Status>
+    <MediaServiceKeyPoints xmlns="71af3243-3dd4-4a8d-8c0d-dd76da1f02a5" xsi:nil="true"/>
+  </documentManagement>
+</p:properties>
+</file>
+
+<file path=customXml/item2.xml><?xml version="1.0" encoding="utf-8"?>
 <?mso-contentType ?>
 <FormTemplates xmlns="http://schemas.microsoft.com/sharepoint/v3/contenttype/forms">
   <Display>DocumentLibraryForm</Display>
   <Edit>DocumentLibraryForm</Edit>
   <New>DocumentLibraryForm</New>
 </FormTemplates>
-</file>
-
-<file path=customXml/item2.xml><?xml version="1.0" encoding="utf-8"?>
-<p:properties xmlns:p="http://schemas.microsoft.com/office/2006/metadata/properties" xmlns:xsi="http://www.w3.org/2001/XMLSchema-instance" xmlns:pc="http://schemas.microsoft.com/office/infopath/2007/PartnerControls">
-  <documentManagement>
-    <Status xmlns="71af3243-3dd4-4a8d-8c0d-dd76da1f02a5">Not started</Status>
-    <MediaServiceKeyPoints xmlns="71af3243-3dd4-4a8d-8c0d-dd76da1f02a5" xsi:nil="true"/>
-  </documentManagement>
-</p:properties>
 </file>
 
 <file path=customXml/item3.xml><?xml version="1.0" encoding="utf-8"?>
@@ -24382,19 +24382,19 @@
 </file>
 
 <file path=customXml/itemProps1.xml><?xml version="1.0" encoding="utf-8"?>
-<ds:datastoreItem xmlns:ds="http://schemas.openxmlformats.org/officeDocument/2006/customXml" ds:itemID="{1D20B6E4-879E-4E6C-BDE7-261540CD3765}">
+<ds:datastoreItem xmlns:ds="http://schemas.openxmlformats.org/officeDocument/2006/customXml" ds:itemID="{09EC1AB0-9704-404D-B6D3-819D938AC55B}">
   <ds:schemaRefs>
-    <ds:schemaRef ds:uri="http://schemas.microsoft.com/sharepoint/v3/contenttype/forms"/>
+    <ds:schemaRef ds:uri="http://schemas.microsoft.com/office/2006/metadata/properties"/>
+    <ds:schemaRef ds:uri="http://schemas.microsoft.com/office/infopath/2007/PartnerControls"/>
+    <ds:schemaRef ds:uri="71af3243-3dd4-4a8d-8c0d-dd76da1f02a5"/>
   </ds:schemaRefs>
 </ds:datastoreItem>
 </file>
 
 <file path=customXml/itemProps2.xml><?xml version="1.0" encoding="utf-8"?>
-<ds:datastoreItem xmlns:ds="http://schemas.openxmlformats.org/officeDocument/2006/customXml" ds:itemID="{09EC1AB0-9704-404D-B6D3-819D938AC55B}">
+<ds:datastoreItem xmlns:ds="http://schemas.openxmlformats.org/officeDocument/2006/customXml" ds:itemID="{1D20B6E4-879E-4E6C-BDE7-261540CD3765}">
   <ds:schemaRefs>
-    <ds:schemaRef ds:uri="http://schemas.microsoft.com/office/2006/metadata/properties"/>
-    <ds:schemaRef ds:uri="http://schemas.microsoft.com/office/infopath/2007/PartnerControls"/>
-    <ds:schemaRef ds:uri="71af3243-3dd4-4a8d-8c0d-dd76da1f02a5"/>
+    <ds:schemaRef ds:uri="http://schemas.microsoft.com/sharepoint/v3/contenttype/forms"/>
   </ds:schemaRefs>
 </ds:datastoreItem>
 </file>
